--- a/ppt 16-9/1036.希望之星.pptx
+++ b/ppt 16-9/1036.希望之星.pptx
@@ -129,7 +129,7 @@
           <p:cNvPr id="2" name="标题 1">
             <a:extLst>
               <a:ext uri="{FF2B5EF4-FFF2-40B4-BE49-F238E27FC236}">
-                <a16:creationId xmlns:a16="http://schemas.microsoft.com/office/drawing/2014/main" id="{1DA3BF9A-65F5-7450-1D04-76E0961DB95D}"/>
+                <a16:creationId xmlns:a16="http://schemas.microsoft.com/office/drawing/2014/main" id="{884935F4-FBA9-2842-89E3-F74BE000EAFD}"/>
               </a:ext>
             </a:extLst>
           </p:cNvPr>
@@ -166,7 +166,7 @@
           <p:cNvPr id="3" name="副标题 2">
             <a:extLst>
               <a:ext uri="{FF2B5EF4-FFF2-40B4-BE49-F238E27FC236}">
-                <a16:creationId xmlns:a16="http://schemas.microsoft.com/office/drawing/2014/main" id="{6A5231FA-AA94-35D8-9903-86C8D22A768C}"/>
+                <a16:creationId xmlns:a16="http://schemas.microsoft.com/office/drawing/2014/main" id="{B12C6340-7BB2-25BF-40D7-E1670CEF3E33}"/>
               </a:ext>
             </a:extLst>
           </p:cNvPr>
@@ -236,7 +236,7 @@
           <p:cNvPr id="4" name="日期占位符 3">
             <a:extLst>
               <a:ext uri="{FF2B5EF4-FFF2-40B4-BE49-F238E27FC236}">
-                <a16:creationId xmlns:a16="http://schemas.microsoft.com/office/drawing/2014/main" id="{7CD720EA-D7CB-C5E4-8918-C54B295EA6F4}"/>
+                <a16:creationId xmlns:a16="http://schemas.microsoft.com/office/drawing/2014/main" id="{48C7BFBE-25DD-8F11-5907-9F50C1E079FB}"/>
               </a:ext>
             </a:extLst>
           </p:cNvPr>
@@ -252,7 +252,7 @@
           <a:bodyPr/>
           <a:lstStyle/>
           <a:p>
-            <a:fld id="{A77B61C2-A4D8-408C-889A-9393B40AC255}" type="datetimeFigureOut">
+            <a:fld id="{98BDEC0C-F8D4-4020-9CE9-A9BC14035CF4}" type="datetimeFigureOut">
               <a:rPr lang="zh-CN" altLang="en-US" smtClean="0"/>
               <a:t>2024/3/10</a:t>
             </a:fld>
@@ -265,7 +265,7 @@
           <p:cNvPr id="5" name="页脚占位符 4">
             <a:extLst>
               <a:ext uri="{FF2B5EF4-FFF2-40B4-BE49-F238E27FC236}">
-                <a16:creationId xmlns:a16="http://schemas.microsoft.com/office/drawing/2014/main" id="{1AB35F8F-6CB8-CBC1-DFAD-D91AF2F2ED41}"/>
+                <a16:creationId xmlns:a16="http://schemas.microsoft.com/office/drawing/2014/main" id="{20AA3BFC-E929-6F25-5E61-1A3C661962E8}"/>
               </a:ext>
             </a:extLst>
           </p:cNvPr>
@@ -290,7 +290,7 @@
           <p:cNvPr id="6" name="灯片编号占位符 5">
             <a:extLst>
               <a:ext uri="{FF2B5EF4-FFF2-40B4-BE49-F238E27FC236}">
-                <a16:creationId xmlns:a16="http://schemas.microsoft.com/office/drawing/2014/main" id="{48721FD7-340D-95CC-2739-3855F8E54BBE}"/>
+                <a16:creationId xmlns:a16="http://schemas.microsoft.com/office/drawing/2014/main" id="{B638684E-FC2D-D478-0EA8-D81AD45EB654}"/>
               </a:ext>
             </a:extLst>
           </p:cNvPr>
@@ -306,7 +306,7 @@
           <a:bodyPr/>
           <a:lstStyle/>
           <a:p>
-            <a:fld id="{02642554-BAFA-46C2-9500-A9D0FAD2C4DB}" type="slidenum">
+            <a:fld id="{42C69F64-273C-433E-803B-BA1D5FB5665D}" type="slidenum">
               <a:rPr lang="zh-CN" altLang="en-US" smtClean="0"/>
               <a:t>‹#›</a:t>
             </a:fld>
@@ -317,7 +317,7 @@
     </p:spTree>
     <p:extLst>
       <p:ext uri="{BB962C8B-B14F-4D97-AF65-F5344CB8AC3E}">
-        <p14:creationId xmlns:p14="http://schemas.microsoft.com/office/powerpoint/2010/main" val="2072849519"/>
+        <p14:creationId xmlns:p14="http://schemas.microsoft.com/office/powerpoint/2010/main" val="3542355144"/>
       </p:ext>
     </p:extLst>
   </p:cSld>
@@ -349,7 +349,7 @@
           <p:cNvPr id="2" name="标题 1">
             <a:extLst>
               <a:ext uri="{FF2B5EF4-FFF2-40B4-BE49-F238E27FC236}">
-                <a16:creationId xmlns:a16="http://schemas.microsoft.com/office/drawing/2014/main" id="{61CC9523-0E0E-E9EB-91CC-7C7F1E5FE5AB}"/>
+                <a16:creationId xmlns:a16="http://schemas.microsoft.com/office/drawing/2014/main" id="{6C4519F5-8CA4-8F59-C121-62B70AE77BF8}"/>
               </a:ext>
             </a:extLst>
           </p:cNvPr>
@@ -377,7 +377,7 @@
           <p:cNvPr id="3" name="竖排文字占位符 2">
             <a:extLst>
               <a:ext uri="{FF2B5EF4-FFF2-40B4-BE49-F238E27FC236}">
-                <a16:creationId xmlns:a16="http://schemas.microsoft.com/office/drawing/2014/main" id="{1157B7FE-7723-C285-99EE-89D6F0AE9B96}"/>
+                <a16:creationId xmlns:a16="http://schemas.microsoft.com/office/drawing/2014/main" id="{B22AB330-D2B9-5CFE-BE42-60503955290F}"/>
               </a:ext>
             </a:extLst>
           </p:cNvPr>
@@ -434,7 +434,7 @@
           <p:cNvPr id="4" name="日期占位符 3">
             <a:extLst>
               <a:ext uri="{FF2B5EF4-FFF2-40B4-BE49-F238E27FC236}">
-                <a16:creationId xmlns:a16="http://schemas.microsoft.com/office/drawing/2014/main" id="{A3FE5C96-0309-208E-DB9A-5E4ACB75BDB2}"/>
+                <a16:creationId xmlns:a16="http://schemas.microsoft.com/office/drawing/2014/main" id="{11EDA377-E62A-9F65-54C0-49A19C1DBC1A}"/>
               </a:ext>
             </a:extLst>
           </p:cNvPr>
@@ -450,7 +450,7 @@
           <a:bodyPr/>
           <a:lstStyle/>
           <a:p>
-            <a:fld id="{A77B61C2-A4D8-408C-889A-9393B40AC255}" type="datetimeFigureOut">
+            <a:fld id="{98BDEC0C-F8D4-4020-9CE9-A9BC14035CF4}" type="datetimeFigureOut">
               <a:rPr lang="zh-CN" altLang="en-US" smtClean="0"/>
               <a:t>2024/3/10</a:t>
             </a:fld>
@@ -463,7 +463,7 @@
           <p:cNvPr id="5" name="页脚占位符 4">
             <a:extLst>
               <a:ext uri="{FF2B5EF4-FFF2-40B4-BE49-F238E27FC236}">
-                <a16:creationId xmlns:a16="http://schemas.microsoft.com/office/drawing/2014/main" id="{613760BB-4684-0403-DB5E-5282D7C378A0}"/>
+                <a16:creationId xmlns:a16="http://schemas.microsoft.com/office/drawing/2014/main" id="{50E25F49-BEA7-4D8E-765B-F8397B43B207}"/>
               </a:ext>
             </a:extLst>
           </p:cNvPr>
@@ -488,7 +488,7 @@
           <p:cNvPr id="6" name="灯片编号占位符 5">
             <a:extLst>
               <a:ext uri="{FF2B5EF4-FFF2-40B4-BE49-F238E27FC236}">
-                <a16:creationId xmlns:a16="http://schemas.microsoft.com/office/drawing/2014/main" id="{C4731C2B-993A-7248-CD31-AF696CF6F49E}"/>
+                <a16:creationId xmlns:a16="http://schemas.microsoft.com/office/drawing/2014/main" id="{6E39FE82-87E2-8332-3340-7E1763767D2B}"/>
               </a:ext>
             </a:extLst>
           </p:cNvPr>
@@ -504,7 +504,7 @@
           <a:bodyPr/>
           <a:lstStyle/>
           <a:p>
-            <a:fld id="{02642554-BAFA-46C2-9500-A9D0FAD2C4DB}" type="slidenum">
+            <a:fld id="{42C69F64-273C-433E-803B-BA1D5FB5665D}" type="slidenum">
               <a:rPr lang="zh-CN" altLang="en-US" smtClean="0"/>
               <a:t>‹#›</a:t>
             </a:fld>
@@ -515,7 +515,7 @@
     </p:spTree>
     <p:extLst>
       <p:ext uri="{BB962C8B-B14F-4D97-AF65-F5344CB8AC3E}">
-        <p14:creationId xmlns:p14="http://schemas.microsoft.com/office/powerpoint/2010/main" val="1870517437"/>
+        <p14:creationId xmlns:p14="http://schemas.microsoft.com/office/powerpoint/2010/main" val="1212254062"/>
       </p:ext>
     </p:extLst>
   </p:cSld>
@@ -547,7 +547,7 @@
           <p:cNvPr id="2" name="竖排标题 1">
             <a:extLst>
               <a:ext uri="{FF2B5EF4-FFF2-40B4-BE49-F238E27FC236}">
-                <a16:creationId xmlns:a16="http://schemas.microsoft.com/office/drawing/2014/main" id="{4CB201B7-781B-9226-1481-77CD391B6708}"/>
+                <a16:creationId xmlns:a16="http://schemas.microsoft.com/office/drawing/2014/main" id="{F6CC7679-DF8A-A904-FEEE-59E4455C283E}"/>
               </a:ext>
             </a:extLst>
           </p:cNvPr>
@@ -580,7 +580,7 @@
           <p:cNvPr id="3" name="竖排文字占位符 2">
             <a:extLst>
               <a:ext uri="{FF2B5EF4-FFF2-40B4-BE49-F238E27FC236}">
-                <a16:creationId xmlns:a16="http://schemas.microsoft.com/office/drawing/2014/main" id="{C8006379-D2F5-ECFD-AF0A-877E822246F2}"/>
+                <a16:creationId xmlns:a16="http://schemas.microsoft.com/office/drawing/2014/main" id="{2C445DAB-5FD7-70AD-9145-AE1F3E005FBC}"/>
               </a:ext>
             </a:extLst>
           </p:cNvPr>
@@ -642,7 +642,7 @@
           <p:cNvPr id="4" name="日期占位符 3">
             <a:extLst>
               <a:ext uri="{FF2B5EF4-FFF2-40B4-BE49-F238E27FC236}">
-                <a16:creationId xmlns:a16="http://schemas.microsoft.com/office/drawing/2014/main" id="{6ED012C2-5810-996E-552A-C1B6E1A8FA57}"/>
+                <a16:creationId xmlns:a16="http://schemas.microsoft.com/office/drawing/2014/main" id="{BF13C2F7-1448-64FA-D18C-E51C07E6E2F5}"/>
               </a:ext>
             </a:extLst>
           </p:cNvPr>
@@ -658,7 +658,7 @@
           <a:bodyPr/>
           <a:lstStyle/>
           <a:p>
-            <a:fld id="{A77B61C2-A4D8-408C-889A-9393B40AC255}" type="datetimeFigureOut">
+            <a:fld id="{98BDEC0C-F8D4-4020-9CE9-A9BC14035CF4}" type="datetimeFigureOut">
               <a:rPr lang="zh-CN" altLang="en-US" smtClean="0"/>
               <a:t>2024/3/10</a:t>
             </a:fld>
@@ -671,7 +671,7 @@
           <p:cNvPr id="5" name="页脚占位符 4">
             <a:extLst>
               <a:ext uri="{FF2B5EF4-FFF2-40B4-BE49-F238E27FC236}">
-                <a16:creationId xmlns:a16="http://schemas.microsoft.com/office/drawing/2014/main" id="{F56241FA-7FF9-7BB7-6F2B-B8326CDABF75}"/>
+                <a16:creationId xmlns:a16="http://schemas.microsoft.com/office/drawing/2014/main" id="{11341C3E-0B06-78D3-DE29-AB5C6420137F}"/>
               </a:ext>
             </a:extLst>
           </p:cNvPr>
@@ -696,7 +696,7 @@
           <p:cNvPr id="6" name="灯片编号占位符 5">
             <a:extLst>
               <a:ext uri="{FF2B5EF4-FFF2-40B4-BE49-F238E27FC236}">
-                <a16:creationId xmlns:a16="http://schemas.microsoft.com/office/drawing/2014/main" id="{32581629-66CA-B8A4-7965-4BEF83CE4F56}"/>
+                <a16:creationId xmlns:a16="http://schemas.microsoft.com/office/drawing/2014/main" id="{B5F246B5-2298-0CE9-C86F-C17617D0B95A}"/>
               </a:ext>
             </a:extLst>
           </p:cNvPr>
@@ -712,7 +712,7 @@
           <a:bodyPr/>
           <a:lstStyle/>
           <a:p>
-            <a:fld id="{02642554-BAFA-46C2-9500-A9D0FAD2C4DB}" type="slidenum">
+            <a:fld id="{42C69F64-273C-433E-803B-BA1D5FB5665D}" type="slidenum">
               <a:rPr lang="zh-CN" altLang="en-US" smtClean="0"/>
               <a:t>‹#›</a:t>
             </a:fld>
@@ -723,7 +723,7 @@
     </p:spTree>
     <p:extLst>
       <p:ext uri="{BB962C8B-B14F-4D97-AF65-F5344CB8AC3E}">
-        <p14:creationId xmlns:p14="http://schemas.microsoft.com/office/powerpoint/2010/main" val="3531075876"/>
+        <p14:creationId xmlns:p14="http://schemas.microsoft.com/office/powerpoint/2010/main" val="3058199931"/>
       </p:ext>
     </p:extLst>
   </p:cSld>
@@ -755,7 +755,7 @@
           <p:cNvPr id="2" name="标题 1">
             <a:extLst>
               <a:ext uri="{FF2B5EF4-FFF2-40B4-BE49-F238E27FC236}">
-                <a16:creationId xmlns:a16="http://schemas.microsoft.com/office/drawing/2014/main" id="{5E287D19-8150-91A5-500A-E0648E16D105}"/>
+                <a16:creationId xmlns:a16="http://schemas.microsoft.com/office/drawing/2014/main" id="{A05F93E2-43BC-074E-7794-304F02E5437E}"/>
               </a:ext>
             </a:extLst>
           </p:cNvPr>
@@ -783,7 +783,7 @@
           <p:cNvPr id="3" name="内容占位符 2">
             <a:extLst>
               <a:ext uri="{FF2B5EF4-FFF2-40B4-BE49-F238E27FC236}">
-                <a16:creationId xmlns:a16="http://schemas.microsoft.com/office/drawing/2014/main" id="{3C633A05-E616-DD55-3920-3CFE162A7823}"/>
+                <a16:creationId xmlns:a16="http://schemas.microsoft.com/office/drawing/2014/main" id="{816D86A9-47B8-AB39-77F3-83BAF6286841}"/>
               </a:ext>
             </a:extLst>
           </p:cNvPr>
@@ -840,7 +840,7 @@
           <p:cNvPr id="4" name="日期占位符 3">
             <a:extLst>
               <a:ext uri="{FF2B5EF4-FFF2-40B4-BE49-F238E27FC236}">
-                <a16:creationId xmlns:a16="http://schemas.microsoft.com/office/drawing/2014/main" id="{C17DDB6C-B3AF-DABD-6376-97FCBE71ED6F}"/>
+                <a16:creationId xmlns:a16="http://schemas.microsoft.com/office/drawing/2014/main" id="{1C676D5F-7499-1A14-57DF-4631CC576F83}"/>
               </a:ext>
             </a:extLst>
           </p:cNvPr>
@@ -856,7 +856,7 @@
           <a:bodyPr/>
           <a:lstStyle/>
           <a:p>
-            <a:fld id="{A77B61C2-A4D8-408C-889A-9393B40AC255}" type="datetimeFigureOut">
+            <a:fld id="{98BDEC0C-F8D4-4020-9CE9-A9BC14035CF4}" type="datetimeFigureOut">
               <a:rPr lang="zh-CN" altLang="en-US" smtClean="0"/>
               <a:t>2024/3/10</a:t>
             </a:fld>
@@ -869,7 +869,7 @@
           <p:cNvPr id="5" name="页脚占位符 4">
             <a:extLst>
               <a:ext uri="{FF2B5EF4-FFF2-40B4-BE49-F238E27FC236}">
-                <a16:creationId xmlns:a16="http://schemas.microsoft.com/office/drawing/2014/main" id="{F8BEAA7C-A06E-24FC-55D8-F7FA643CBDF7}"/>
+                <a16:creationId xmlns:a16="http://schemas.microsoft.com/office/drawing/2014/main" id="{C4AFC921-7AD1-DC4F-D7BD-6EDDC3D90640}"/>
               </a:ext>
             </a:extLst>
           </p:cNvPr>
@@ -894,7 +894,7 @@
           <p:cNvPr id="6" name="灯片编号占位符 5">
             <a:extLst>
               <a:ext uri="{FF2B5EF4-FFF2-40B4-BE49-F238E27FC236}">
-                <a16:creationId xmlns:a16="http://schemas.microsoft.com/office/drawing/2014/main" id="{839144EB-2790-522E-674D-2F051493430F}"/>
+                <a16:creationId xmlns:a16="http://schemas.microsoft.com/office/drawing/2014/main" id="{FD4EFF8C-56C4-463F-752D-6E82B2CD3189}"/>
               </a:ext>
             </a:extLst>
           </p:cNvPr>
@@ -910,7 +910,7 @@
           <a:bodyPr/>
           <a:lstStyle/>
           <a:p>
-            <a:fld id="{02642554-BAFA-46C2-9500-A9D0FAD2C4DB}" type="slidenum">
+            <a:fld id="{42C69F64-273C-433E-803B-BA1D5FB5665D}" type="slidenum">
               <a:rPr lang="zh-CN" altLang="en-US" smtClean="0"/>
               <a:t>‹#›</a:t>
             </a:fld>
@@ -921,7 +921,7 @@
     </p:spTree>
     <p:extLst>
       <p:ext uri="{BB962C8B-B14F-4D97-AF65-F5344CB8AC3E}">
-        <p14:creationId xmlns:p14="http://schemas.microsoft.com/office/powerpoint/2010/main" val="37374972"/>
+        <p14:creationId xmlns:p14="http://schemas.microsoft.com/office/powerpoint/2010/main" val="75132141"/>
       </p:ext>
     </p:extLst>
   </p:cSld>
@@ -953,7 +953,7 @@
           <p:cNvPr id="2" name="标题 1">
             <a:extLst>
               <a:ext uri="{FF2B5EF4-FFF2-40B4-BE49-F238E27FC236}">
-                <a16:creationId xmlns:a16="http://schemas.microsoft.com/office/drawing/2014/main" id="{BAB3CEA0-491C-9E42-D965-9A147017AE95}"/>
+                <a16:creationId xmlns:a16="http://schemas.microsoft.com/office/drawing/2014/main" id="{D8889189-5499-5EFB-EBAC-BAB6B729DED7}"/>
               </a:ext>
             </a:extLst>
           </p:cNvPr>
@@ -990,7 +990,7 @@
           <p:cNvPr id="3" name="文本占位符 2">
             <a:extLst>
               <a:ext uri="{FF2B5EF4-FFF2-40B4-BE49-F238E27FC236}">
-                <a16:creationId xmlns:a16="http://schemas.microsoft.com/office/drawing/2014/main" id="{B512F11B-F885-49D8-EC89-2DFC7C1572A7}"/>
+                <a16:creationId xmlns:a16="http://schemas.microsoft.com/office/drawing/2014/main" id="{5B8ADBE1-01D6-A953-DEC3-09DA98CB6C5E}"/>
               </a:ext>
             </a:extLst>
           </p:cNvPr>
@@ -1115,7 +1115,7 @@
           <p:cNvPr id="4" name="日期占位符 3">
             <a:extLst>
               <a:ext uri="{FF2B5EF4-FFF2-40B4-BE49-F238E27FC236}">
-                <a16:creationId xmlns:a16="http://schemas.microsoft.com/office/drawing/2014/main" id="{CCA76BDD-6ACA-4FF8-5FD8-0479E46D0A5B}"/>
+                <a16:creationId xmlns:a16="http://schemas.microsoft.com/office/drawing/2014/main" id="{8768A1C3-DBA3-DBC5-E987-DC717E762232}"/>
               </a:ext>
             </a:extLst>
           </p:cNvPr>
@@ -1131,7 +1131,7 @@
           <a:bodyPr/>
           <a:lstStyle/>
           <a:p>
-            <a:fld id="{A77B61C2-A4D8-408C-889A-9393B40AC255}" type="datetimeFigureOut">
+            <a:fld id="{98BDEC0C-F8D4-4020-9CE9-A9BC14035CF4}" type="datetimeFigureOut">
               <a:rPr lang="zh-CN" altLang="en-US" smtClean="0"/>
               <a:t>2024/3/10</a:t>
             </a:fld>
@@ -1144,7 +1144,7 @@
           <p:cNvPr id="5" name="页脚占位符 4">
             <a:extLst>
               <a:ext uri="{FF2B5EF4-FFF2-40B4-BE49-F238E27FC236}">
-                <a16:creationId xmlns:a16="http://schemas.microsoft.com/office/drawing/2014/main" id="{752B4D73-ECB7-3CF9-7210-36C0862391BF}"/>
+                <a16:creationId xmlns:a16="http://schemas.microsoft.com/office/drawing/2014/main" id="{DA33CD66-DB0C-E1EC-316D-4F5052D0ACED}"/>
               </a:ext>
             </a:extLst>
           </p:cNvPr>
@@ -1169,7 +1169,7 @@
           <p:cNvPr id="6" name="灯片编号占位符 5">
             <a:extLst>
               <a:ext uri="{FF2B5EF4-FFF2-40B4-BE49-F238E27FC236}">
-                <a16:creationId xmlns:a16="http://schemas.microsoft.com/office/drawing/2014/main" id="{794035BD-C907-4677-6D42-E472DC328561}"/>
+                <a16:creationId xmlns:a16="http://schemas.microsoft.com/office/drawing/2014/main" id="{FC51B1DD-9381-A717-5948-A1C900E6309A}"/>
               </a:ext>
             </a:extLst>
           </p:cNvPr>
@@ -1185,7 +1185,7 @@
           <a:bodyPr/>
           <a:lstStyle/>
           <a:p>
-            <a:fld id="{02642554-BAFA-46C2-9500-A9D0FAD2C4DB}" type="slidenum">
+            <a:fld id="{42C69F64-273C-433E-803B-BA1D5FB5665D}" type="slidenum">
               <a:rPr lang="zh-CN" altLang="en-US" smtClean="0"/>
               <a:t>‹#›</a:t>
             </a:fld>
@@ -1196,7 +1196,7 @@
     </p:spTree>
     <p:extLst>
       <p:ext uri="{BB962C8B-B14F-4D97-AF65-F5344CB8AC3E}">
-        <p14:creationId xmlns:p14="http://schemas.microsoft.com/office/powerpoint/2010/main" val="2310732848"/>
+        <p14:creationId xmlns:p14="http://schemas.microsoft.com/office/powerpoint/2010/main" val="2694316223"/>
       </p:ext>
     </p:extLst>
   </p:cSld>
@@ -1228,7 +1228,7 @@
           <p:cNvPr id="2" name="标题 1">
             <a:extLst>
               <a:ext uri="{FF2B5EF4-FFF2-40B4-BE49-F238E27FC236}">
-                <a16:creationId xmlns:a16="http://schemas.microsoft.com/office/drawing/2014/main" id="{0CA7A047-B7DB-3876-03EE-545778806800}"/>
+                <a16:creationId xmlns:a16="http://schemas.microsoft.com/office/drawing/2014/main" id="{3485E192-F561-F855-757D-EDBA15DEC3A6}"/>
               </a:ext>
             </a:extLst>
           </p:cNvPr>
@@ -1256,7 +1256,7 @@
           <p:cNvPr id="3" name="内容占位符 2">
             <a:extLst>
               <a:ext uri="{FF2B5EF4-FFF2-40B4-BE49-F238E27FC236}">
-                <a16:creationId xmlns:a16="http://schemas.microsoft.com/office/drawing/2014/main" id="{B31C0DB7-DAD4-E6A3-84DF-4277A4A98CA5}"/>
+                <a16:creationId xmlns:a16="http://schemas.microsoft.com/office/drawing/2014/main" id="{56ADF0E7-4647-309C-6E65-395E5D344BF5}"/>
               </a:ext>
             </a:extLst>
           </p:cNvPr>
@@ -1318,7 +1318,7 @@
           <p:cNvPr id="4" name="内容占位符 3">
             <a:extLst>
               <a:ext uri="{FF2B5EF4-FFF2-40B4-BE49-F238E27FC236}">
-                <a16:creationId xmlns:a16="http://schemas.microsoft.com/office/drawing/2014/main" id="{06FEADB8-9071-8B1C-9E7E-564EEA795A5B}"/>
+                <a16:creationId xmlns:a16="http://schemas.microsoft.com/office/drawing/2014/main" id="{E1B63DDE-604D-96D3-6EAD-0759598C0E37}"/>
               </a:ext>
             </a:extLst>
           </p:cNvPr>
@@ -1380,7 +1380,7 @@
           <p:cNvPr id="5" name="日期占位符 4">
             <a:extLst>
               <a:ext uri="{FF2B5EF4-FFF2-40B4-BE49-F238E27FC236}">
-                <a16:creationId xmlns:a16="http://schemas.microsoft.com/office/drawing/2014/main" id="{FF1CA37D-0142-39CA-68BA-52815A2879FA}"/>
+                <a16:creationId xmlns:a16="http://schemas.microsoft.com/office/drawing/2014/main" id="{11F85D3E-9B36-8B1A-9BEE-8F24934AA9AB}"/>
               </a:ext>
             </a:extLst>
           </p:cNvPr>
@@ -1396,7 +1396,7 @@
           <a:bodyPr/>
           <a:lstStyle/>
           <a:p>
-            <a:fld id="{A77B61C2-A4D8-408C-889A-9393B40AC255}" type="datetimeFigureOut">
+            <a:fld id="{98BDEC0C-F8D4-4020-9CE9-A9BC14035CF4}" type="datetimeFigureOut">
               <a:rPr lang="zh-CN" altLang="en-US" smtClean="0"/>
               <a:t>2024/3/10</a:t>
             </a:fld>
@@ -1409,7 +1409,7 @@
           <p:cNvPr id="6" name="页脚占位符 5">
             <a:extLst>
               <a:ext uri="{FF2B5EF4-FFF2-40B4-BE49-F238E27FC236}">
-                <a16:creationId xmlns:a16="http://schemas.microsoft.com/office/drawing/2014/main" id="{96285DEF-CE83-D084-B3E7-3D8BAC181FEC}"/>
+                <a16:creationId xmlns:a16="http://schemas.microsoft.com/office/drawing/2014/main" id="{5F670D25-7EA6-6353-A0D0-52C9377EB078}"/>
               </a:ext>
             </a:extLst>
           </p:cNvPr>
@@ -1434,7 +1434,7 @@
           <p:cNvPr id="7" name="灯片编号占位符 6">
             <a:extLst>
               <a:ext uri="{FF2B5EF4-FFF2-40B4-BE49-F238E27FC236}">
-                <a16:creationId xmlns:a16="http://schemas.microsoft.com/office/drawing/2014/main" id="{5C63478D-2243-2D4E-9B29-5BB5CA5E7368}"/>
+                <a16:creationId xmlns:a16="http://schemas.microsoft.com/office/drawing/2014/main" id="{4D7EB58D-1F99-778D-B566-054E316C4761}"/>
               </a:ext>
             </a:extLst>
           </p:cNvPr>
@@ -1450,7 +1450,7 @@
           <a:bodyPr/>
           <a:lstStyle/>
           <a:p>
-            <a:fld id="{02642554-BAFA-46C2-9500-A9D0FAD2C4DB}" type="slidenum">
+            <a:fld id="{42C69F64-273C-433E-803B-BA1D5FB5665D}" type="slidenum">
               <a:rPr lang="zh-CN" altLang="en-US" smtClean="0"/>
               <a:t>‹#›</a:t>
             </a:fld>
@@ -1461,7 +1461,7 @@
     </p:spTree>
     <p:extLst>
       <p:ext uri="{BB962C8B-B14F-4D97-AF65-F5344CB8AC3E}">
-        <p14:creationId xmlns:p14="http://schemas.microsoft.com/office/powerpoint/2010/main" val="3971053847"/>
+        <p14:creationId xmlns:p14="http://schemas.microsoft.com/office/powerpoint/2010/main" val="10111775"/>
       </p:ext>
     </p:extLst>
   </p:cSld>
@@ -1493,7 +1493,7 @@
           <p:cNvPr id="2" name="标题 1">
             <a:extLst>
               <a:ext uri="{FF2B5EF4-FFF2-40B4-BE49-F238E27FC236}">
-                <a16:creationId xmlns:a16="http://schemas.microsoft.com/office/drawing/2014/main" id="{A6F3A9A8-2F8D-117B-591B-61F8144DECE0}"/>
+                <a16:creationId xmlns:a16="http://schemas.microsoft.com/office/drawing/2014/main" id="{ACE6389B-146B-EC90-40CD-E2C7F3893272}"/>
               </a:ext>
             </a:extLst>
           </p:cNvPr>
@@ -1526,7 +1526,7 @@
           <p:cNvPr id="3" name="文本占位符 2">
             <a:extLst>
               <a:ext uri="{FF2B5EF4-FFF2-40B4-BE49-F238E27FC236}">
-                <a16:creationId xmlns:a16="http://schemas.microsoft.com/office/drawing/2014/main" id="{14998824-11DB-7AFA-4E4E-16CB6569483E}"/>
+                <a16:creationId xmlns:a16="http://schemas.microsoft.com/office/drawing/2014/main" id="{2A5C9EBA-773A-894C-7B6C-7AA0240AF0F5}"/>
               </a:ext>
             </a:extLst>
           </p:cNvPr>
@@ -1597,7 +1597,7 @@
           <p:cNvPr id="4" name="内容占位符 3">
             <a:extLst>
               <a:ext uri="{FF2B5EF4-FFF2-40B4-BE49-F238E27FC236}">
-                <a16:creationId xmlns:a16="http://schemas.microsoft.com/office/drawing/2014/main" id="{77B6368F-749F-5E36-1072-5F6FE6DBC66A}"/>
+                <a16:creationId xmlns:a16="http://schemas.microsoft.com/office/drawing/2014/main" id="{F66C5D16-7395-6E3C-F44D-16902B49A80D}"/>
               </a:ext>
             </a:extLst>
           </p:cNvPr>
@@ -1659,7 +1659,7 @@
           <p:cNvPr id="5" name="文本占位符 4">
             <a:extLst>
               <a:ext uri="{FF2B5EF4-FFF2-40B4-BE49-F238E27FC236}">
-                <a16:creationId xmlns:a16="http://schemas.microsoft.com/office/drawing/2014/main" id="{384B1235-0E4A-E80B-8889-A1131928429C}"/>
+                <a16:creationId xmlns:a16="http://schemas.microsoft.com/office/drawing/2014/main" id="{D97E5EC4-3D7C-AD3A-3613-5D57EC1E7BE0}"/>
               </a:ext>
             </a:extLst>
           </p:cNvPr>
@@ -1730,7 +1730,7 @@
           <p:cNvPr id="6" name="内容占位符 5">
             <a:extLst>
               <a:ext uri="{FF2B5EF4-FFF2-40B4-BE49-F238E27FC236}">
-                <a16:creationId xmlns:a16="http://schemas.microsoft.com/office/drawing/2014/main" id="{1927606C-FDD4-D448-2BB2-05AD9EB3EEEE}"/>
+                <a16:creationId xmlns:a16="http://schemas.microsoft.com/office/drawing/2014/main" id="{C5A44A81-126A-C8F9-C778-35E857D3EC5A}"/>
               </a:ext>
             </a:extLst>
           </p:cNvPr>
@@ -1792,7 +1792,7 @@
           <p:cNvPr id="7" name="日期占位符 6">
             <a:extLst>
               <a:ext uri="{FF2B5EF4-FFF2-40B4-BE49-F238E27FC236}">
-                <a16:creationId xmlns:a16="http://schemas.microsoft.com/office/drawing/2014/main" id="{1AA5E050-E2FF-C48F-5407-774AFAD75358}"/>
+                <a16:creationId xmlns:a16="http://schemas.microsoft.com/office/drawing/2014/main" id="{202BADF2-EA9A-5812-6389-7498CEA96F94}"/>
               </a:ext>
             </a:extLst>
           </p:cNvPr>
@@ -1808,7 +1808,7 @@
           <a:bodyPr/>
           <a:lstStyle/>
           <a:p>
-            <a:fld id="{A77B61C2-A4D8-408C-889A-9393B40AC255}" type="datetimeFigureOut">
+            <a:fld id="{98BDEC0C-F8D4-4020-9CE9-A9BC14035CF4}" type="datetimeFigureOut">
               <a:rPr lang="zh-CN" altLang="en-US" smtClean="0"/>
               <a:t>2024/3/10</a:t>
             </a:fld>
@@ -1821,7 +1821,7 @@
           <p:cNvPr id="8" name="页脚占位符 7">
             <a:extLst>
               <a:ext uri="{FF2B5EF4-FFF2-40B4-BE49-F238E27FC236}">
-                <a16:creationId xmlns:a16="http://schemas.microsoft.com/office/drawing/2014/main" id="{08318F8E-D2F0-088C-2B1F-C96BFDE71ACD}"/>
+                <a16:creationId xmlns:a16="http://schemas.microsoft.com/office/drawing/2014/main" id="{B6CA6DC2-A898-E5A5-C12B-96935E972C96}"/>
               </a:ext>
             </a:extLst>
           </p:cNvPr>
@@ -1846,7 +1846,7 @@
           <p:cNvPr id="9" name="灯片编号占位符 8">
             <a:extLst>
               <a:ext uri="{FF2B5EF4-FFF2-40B4-BE49-F238E27FC236}">
-                <a16:creationId xmlns:a16="http://schemas.microsoft.com/office/drawing/2014/main" id="{AEC97A93-A825-79DA-95C1-3C82A5D257B7}"/>
+                <a16:creationId xmlns:a16="http://schemas.microsoft.com/office/drawing/2014/main" id="{1CAF3846-2DE8-E5DB-9172-54FD95062BEA}"/>
               </a:ext>
             </a:extLst>
           </p:cNvPr>
@@ -1862,7 +1862,7 @@
           <a:bodyPr/>
           <a:lstStyle/>
           <a:p>
-            <a:fld id="{02642554-BAFA-46C2-9500-A9D0FAD2C4DB}" type="slidenum">
+            <a:fld id="{42C69F64-273C-433E-803B-BA1D5FB5665D}" type="slidenum">
               <a:rPr lang="zh-CN" altLang="en-US" smtClean="0"/>
               <a:t>‹#›</a:t>
             </a:fld>
@@ -1873,7 +1873,7 @@
     </p:spTree>
     <p:extLst>
       <p:ext uri="{BB962C8B-B14F-4D97-AF65-F5344CB8AC3E}">
-        <p14:creationId xmlns:p14="http://schemas.microsoft.com/office/powerpoint/2010/main" val="3436450140"/>
+        <p14:creationId xmlns:p14="http://schemas.microsoft.com/office/powerpoint/2010/main" val="3584106577"/>
       </p:ext>
     </p:extLst>
   </p:cSld>
@@ -1905,7 +1905,7 @@
           <p:cNvPr id="2" name="标题 1">
             <a:extLst>
               <a:ext uri="{FF2B5EF4-FFF2-40B4-BE49-F238E27FC236}">
-                <a16:creationId xmlns:a16="http://schemas.microsoft.com/office/drawing/2014/main" id="{F53D3C5E-CC5B-13EF-18E6-1FAE7FE49851}"/>
+                <a16:creationId xmlns:a16="http://schemas.microsoft.com/office/drawing/2014/main" id="{2ADCC826-69E4-1482-83B3-C9B2BB15EDF0}"/>
               </a:ext>
             </a:extLst>
           </p:cNvPr>
@@ -1933,7 +1933,7 @@
           <p:cNvPr id="3" name="日期占位符 2">
             <a:extLst>
               <a:ext uri="{FF2B5EF4-FFF2-40B4-BE49-F238E27FC236}">
-                <a16:creationId xmlns:a16="http://schemas.microsoft.com/office/drawing/2014/main" id="{F6A7C1CC-6DD7-F52A-63A3-FA42C07B2BD8}"/>
+                <a16:creationId xmlns:a16="http://schemas.microsoft.com/office/drawing/2014/main" id="{01549BA4-DB5D-66BE-1399-8F662011E53F}"/>
               </a:ext>
             </a:extLst>
           </p:cNvPr>
@@ -1949,7 +1949,7 @@
           <a:bodyPr/>
           <a:lstStyle/>
           <a:p>
-            <a:fld id="{A77B61C2-A4D8-408C-889A-9393B40AC255}" type="datetimeFigureOut">
+            <a:fld id="{98BDEC0C-F8D4-4020-9CE9-A9BC14035CF4}" type="datetimeFigureOut">
               <a:rPr lang="zh-CN" altLang="en-US" smtClean="0"/>
               <a:t>2024/3/10</a:t>
             </a:fld>
@@ -1962,7 +1962,7 @@
           <p:cNvPr id="4" name="页脚占位符 3">
             <a:extLst>
               <a:ext uri="{FF2B5EF4-FFF2-40B4-BE49-F238E27FC236}">
-                <a16:creationId xmlns:a16="http://schemas.microsoft.com/office/drawing/2014/main" id="{52E2E6F9-9CAB-3DE8-4008-C50A7EFD58C5}"/>
+                <a16:creationId xmlns:a16="http://schemas.microsoft.com/office/drawing/2014/main" id="{F19A5304-494B-1724-6A8F-29EE60AC3610}"/>
               </a:ext>
             </a:extLst>
           </p:cNvPr>
@@ -1987,7 +1987,7 @@
           <p:cNvPr id="5" name="灯片编号占位符 4">
             <a:extLst>
               <a:ext uri="{FF2B5EF4-FFF2-40B4-BE49-F238E27FC236}">
-                <a16:creationId xmlns:a16="http://schemas.microsoft.com/office/drawing/2014/main" id="{10927634-EFD7-C513-B78E-1949597CBA39}"/>
+                <a16:creationId xmlns:a16="http://schemas.microsoft.com/office/drawing/2014/main" id="{A5160DEA-FDDA-4206-3C9D-DAE6C980F9F1}"/>
               </a:ext>
             </a:extLst>
           </p:cNvPr>
@@ -2003,7 +2003,7 @@
           <a:bodyPr/>
           <a:lstStyle/>
           <a:p>
-            <a:fld id="{02642554-BAFA-46C2-9500-A9D0FAD2C4DB}" type="slidenum">
+            <a:fld id="{42C69F64-273C-433E-803B-BA1D5FB5665D}" type="slidenum">
               <a:rPr lang="zh-CN" altLang="en-US" smtClean="0"/>
               <a:t>‹#›</a:t>
             </a:fld>
@@ -2014,7 +2014,7 @@
     </p:spTree>
     <p:extLst>
       <p:ext uri="{BB962C8B-B14F-4D97-AF65-F5344CB8AC3E}">
-        <p14:creationId xmlns:p14="http://schemas.microsoft.com/office/powerpoint/2010/main" val="286399708"/>
+        <p14:creationId xmlns:p14="http://schemas.microsoft.com/office/powerpoint/2010/main" val="3219234727"/>
       </p:ext>
     </p:extLst>
   </p:cSld>
@@ -2046,7 +2046,7 @@
           <p:cNvPr id="2" name="日期占位符 1">
             <a:extLst>
               <a:ext uri="{FF2B5EF4-FFF2-40B4-BE49-F238E27FC236}">
-                <a16:creationId xmlns:a16="http://schemas.microsoft.com/office/drawing/2014/main" id="{92B1DDA1-C022-F697-6137-F9AC5A5D83A8}"/>
+                <a16:creationId xmlns:a16="http://schemas.microsoft.com/office/drawing/2014/main" id="{02EC9B64-C9C2-0958-7196-7462BAC15AB0}"/>
               </a:ext>
             </a:extLst>
           </p:cNvPr>
@@ -2062,7 +2062,7 @@
           <a:bodyPr/>
           <a:lstStyle/>
           <a:p>
-            <a:fld id="{A77B61C2-A4D8-408C-889A-9393B40AC255}" type="datetimeFigureOut">
+            <a:fld id="{98BDEC0C-F8D4-4020-9CE9-A9BC14035CF4}" type="datetimeFigureOut">
               <a:rPr lang="zh-CN" altLang="en-US" smtClean="0"/>
               <a:t>2024/3/10</a:t>
             </a:fld>
@@ -2075,7 +2075,7 @@
           <p:cNvPr id="3" name="页脚占位符 2">
             <a:extLst>
               <a:ext uri="{FF2B5EF4-FFF2-40B4-BE49-F238E27FC236}">
-                <a16:creationId xmlns:a16="http://schemas.microsoft.com/office/drawing/2014/main" id="{A5601AD3-C85A-6F8A-C2BF-9D5099EB4E0C}"/>
+                <a16:creationId xmlns:a16="http://schemas.microsoft.com/office/drawing/2014/main" id="{43F95907-B15D-F3DD-EA75-EC836993E292}"/>
               </a:ext>
             </a:extLst>
           </p:cNvPr>
@@ -2100,7 +2100,7 @@
           <p:cNvPr id="4" name="灯片编号占位符 3">
             <a:extLst>
               <a:ext uri="{FF2B5EF4-FFF2-40B4-BE49-F238E27FC236}">
-                <a16:creationId xmlns:a16="http://schemas.microsoft.com/office/drawing/2014/main" id="{C155AFFB-8CA9-980D-7CF8-8AEC35DB33B5}"/>
+                <a16:creationId xmlns:a16="http://schemas.microsoft.com/office/drawing/2014/main" id="{E603A979-5765-3BA4-1270-64D941BE1BA7}"/>
               </a:ext>
             </a:extLst>
           </p:cNvPr>
@@ -2116,7 +2116,7 @@
           <a:bodyPr/>
           <a:lstStyle/>
           <a:p>
-            <a:fld id="{02642554-BAFA-46C2-9500-A9D0FAD2C4DB}" type="slidenum">
+            <a:fld id="{42C69F64-273C-433E-803B-BA1D5FB5665D}" type="slidenum">
               <a:rPr lang="zh-CN" altLang="en-US" smtClean="0"/>
               <a:t>‹#›</a:t>
             </a:fld>
@@ -2127,7 +2127,7 @@
     </p:spTree>
     <p:extLst>
       <p:ext uri="{BB962C8B-B14F-4D97-AF65-F5344CB8AC3E}">
-        <p14:creationId xmlns:p14="http://schemas.microsoft.com/office/powerpoint/2010/main" val="3435607267"/>
+        <p14:creationId xmlns:p14="http://schemas.microsoft.com/office/powerpoint/2010/main" val="1823986503"/>
       </p:ext>
     </p:extLst>
   </p:cSld>
@@ -2159,7 +2159,7 @@
           <p:cNvPr id="2" name="标题 1">
             <a:extLst>
               <a:ext uri="{FF2B5EF4-FFF2-40B4-BE49-F238E27FC236}">
-                <a16:creationId xmlns:a16="http://schemas.microsoft.com/office/drawing/2014/main" id="{6D757A68-65AE-521B-6551-574DCE315593}"/>
+                <a16:creationId xmlns:a16="http://schemas.microsoft.com/office/drawing/2014/main" id="{613A9D92-F13A-3EF7-35AC-6EB6CD67B5F4}"/>
               </a:ext>
             </a:extLst>
           </p:cNvPr>
@@ -2196,7 +2196,7 @@
           <p:cNvPr id="3" name="内容占位符 2">
             <a:extLst>
               <a:ext uri="{FF2B5EF4-FFF2-40B4-BE49-F238E27FC236}">
-                <a16:creationId xmlns:a16="http://schemas.microsoft.com/office/drawing/2014/main" id="{3F1E759F-7555-2A6A-127B-AFE75D11C6AC}"/>
+                <a16:creationId xmlns:a16="http://schemas.microsoft.com/office/drawing/2014/main" id="{997AC7F2-513F-1C9A-DBC9-95B911DE26F6}"/>
               </a:ext>
             </a:extLst>
           </p:cNvPr>
@@ -2286,7 +2286,7 @@
           <p:cNvPr id="4" name="文本占位符 3">
             <a:extLst>
               <a:ext uri="{FF2B5EF4-FFF2-40B4-BE49-F238E27FC236}">
-                <a16:creationId xmlns:a16="http://schemas.microsoft.com/office/drawing/2014/main" id="{7562AC4A-AA75-B4CD-A540-3948045466D2}"/>
+                <a16:creationId xmlns:a16="http://schemas.microsoft.com/office/drawing/2014/main" id="{FB3A00FC-5B9C-A6AC-7544-B22343D694EE}"/>
               </a:ext>
             </a:extLst>
           </p:cNvPr>
@@ -2357,7 +2357,7 @@
           <p:cNvPr id="5" name="日期占位符 4">
             <a:extLst>
               <a:ext uri="{FF2B5EF4-FFF2-40B4-BE49-F238E27FC236}">
-                <a16:creationId xmlns:a16="http://schemas.microsoft.com/office/drawing/2014/main" id="{CFFD2359-C2AF-11F5-E0DE-AD3EF0A48BEA}"/>
+                <a16:creationId xmlns:a16="http://schemas.microsoft.com/office/drawing/2014/main" id="{1ED235AF-769B-981D-4473-E50A9D456281}"/>
               </a:ext>
             </a:extLst>
           </p:cNvPr>
@@ -2373,7 +2373,7 @@
           <a:bodyPr/>
           <a:lstStyle/>
           <a:p>
-            <a:fld id="{A77B61C2-A4D8-408C-889A-9393B40AC255}" type="datetimeFigureOut">
+            <a:fld id="{98BDEC0C-F8D4-4020-9CE9-A9BC14035CF4}" type="datetimeFigureOut">
               <a:rPr lang="zh-CN" altLang="en-US" smtClean="0"/>
               <a:t>2024/3/10</a:t>
             </a:fld>
@@ -2386,7 +2386,7 @@
           <p:cNvPr id="6" name="页脚占位符 5">
             <a:extLst>
               <a:ext uri="{FF2B5EF4-FFF2-40B4-BE49-F238E27FC236}">
-                <a16:creationId xmlns:a16="http://schemas.microsoft.com/office/drawing/2014/main" id="{AE6DD78D-8298-0B00-9FA1-F90575139D6C}"/>
+                <a16:creationId xmlns:a16="http://schemas.microsoft.com/office/drawing/2014/main" id="{F13C49BA-B02C-3D56-8E20-623F06642003}"/>
               </a:ext>
             </a:extLst>
           </p:cNvPr>
@@ -2411,7 +2411,7 @@
           <p:cNvPr id="7" name="灯片编号占位符 6">
             <a:extLst>
               <a:ext uri="{FF2B5EF4-FFF2-40B4-BE49-F238E27FC236}">
-                <a16:creationId xmlns:a16="http://schemas.microsoft.com/office/drawing/2014/main" id="{DA2FCB5F-D93C-B421-BF50-A4A643AAFB2C}"/>
+                <a16:creationId xmlns:a16="http://schemas.microsoft.com/office/drawing/2014/main" id="{0CBA4121-FA6C-C87F-DE54-CAF3337C1782}"/>
               </a:ext>
             </a:extLst>
           </p:cNvPr>
@@ -2427,7 +2427,7 @@
           <a:bodyPr/>
           <a:lstStyle/>
           <a:p>
-            <a:fld id="{02642554-BAFA-46C2-9500-A9D0FAD2C4DB}" type="slidenum">
+            <a:fld id="{42C69F64-273C-433E-803B-BA1D5FB5665D}" type="slidenum">
               <a:rPr lang="zh-CN" altLang="en-US" smtClean="0"/>
               <a:t>‹#›</a:t>
             </a:fld>
@@ -2438,7 +2438,7 @@
     </p:spTree>
     <p:extLst>
       <p:ext uri="{BB962C8B-B14F-4D97-AF65-F5344CB8AC3E}">
-        <p14:creationId xmlns:p14="http://schemas.microsoft.com/office/powerpoint/2010/main" val="3875709559"/>
+        <p14:creationId xmlns:p14="http://schemas.microsoft.com/office/powerpoint/2010/main" val="1101105528"/>
       </p:ext>
     </p:extLst>
   </p:cSld>
@@ -2470,7 +2470,7 @@
           <p:cNvPr id="2" name="标题 1">
             <a:extLst>
               <a:ext uri="{FF2B5EF4-FFF2-40B4-BE49-F238E27FC236}">
-                <a16:creationId xmlns:a16="http://schemas.microsoft.com/office/drawing/2014/main" id="{07E44938-4159-7B33-A9B0-CAAF18316869}"/>
+                <a16:creationId xmlns:a16="http://schemas.microsoft.com/office/drawing/2014/main" id="{9D5D04F7-B784-6832-933F-EE4D35876D23}"/>
               </a:ext>
             </a:extLst>
           </p:cNvPr>
@@ -2507,7 +2507,7 @@
           <p:cNvPr id="3" name="图片占位符 2">
             <a:extLst>
               <a:ext uri="{FF2B5EF4-FFF2-40B4-BE49-F238E27FC236}">
-                <a16:creationId xmlns:a16="http://schemas.microsoft.com/office/drawing/2014/main" id="{4DDE16D5-CFDA-5159-39E6-C1A58AC24596}"/>
+                <a16:creationId xmlns:a16="http://schemas.microsoft.com/office/drawing/2014/main" id="{6BF98745-1D0A-E66B-FAFA-E03D557E3F64}"/>
               </a:ext>
             </a:extLst>
           </p:cNvPr>
@@ -2574,7 +2574,7 @@
           <p:cNvPr id="4" name="文本占位符 3">
             <a:extLst>
               <a:ext uri="{FF2B5EF4-FFF2-40B4-BE49-F238E27FC236}">
-                <a16:creationId xmlns:a16="http://schemas.microsoft.com/office/drawing/2014/main" id="{B373E115-4C9F-6507-E09D-5F2A0CCE2928}"/>
+                <a16:creationId xmlns:a16="http://schemas.microsoft.com/office/drawing/2014/main" id="{0F669CDA-5DF0-6037-9FE7-009F67A6C5B0}"/>
               </a:ext>
             </a:extLst>
           </p:cNvPr>
@@ -2645,7 +2645,7 @@
           <p:cNvPr id="5" name="日期占位符 4">
             <a:extLst>
               <a:ext uri="{FF2B5EF4-FFF2-40B4-BE49-F238E27FC236}">
-                <a16:creationId xmlns:a16="http://schemas.microsoft.com/office/drawing/2014/main" id="{B12C5682-A779-6D74-9622-DB8928199456}"/>
+                <a16:creationId xmlns:a16="http://schemas.microsoft.com/office/drawing/2014/main" id="{43C88BB8-822C-0E8C-52AB-13F8A0CC5134}"/>
               </a:ext>
             </a:extLst>
           </p:cNvPr>
@@ -2661,7 +2661,7 @@
           <a:bodyPr/>
           <a:lstStyle/>
           <a:p>
-            <a:fld id="{A77B61C2-A4D8-408C-889A-9393B40AC255}" type="datetimeFigureOut">
+            <a:fld id="{98BDEC0C-F8D4-4020-9CE9-A9BC14035CF4}" type="datetimeFigureOut">
               <a:rPr lang="zh-CN" altLang="en-US" smtClean="0"/>
               <a:t>2024/3/10</a:t>
             </a:fld>
@@ -2674,7 +2674,7 @@
           <p:cNvPr id="6" name="页脚占位符 5">
             <a:extLst>
               <a:ext uri="{FF2B5EF4-FFF2-40B4-BE49-F238E27FC236}">
-                <a16:creationId xmlns:a16="http://schemas.microsoft.com/office/drawing/2014/main" id="{5FBEAA87-600D-1332-8A3E-12484B53C935}"/>
+                <a16:creationId xmlns:a16="http://schemas.microsoft.com/office/drawing/2014/main" id="{1C5C5F98-0F63-2A2F-2D0C-C9DAE495CF32}"/>
               </a:ext>
             </a:extLst>
           </p:cNvPr>
@@ -2699,7 +2699,7 @@
           <p:cNvPr id="7" name="灯片编号占位符 6">
             <a:extLst>
               <a:ext uri="{FF2B5EF4-FFF2-40B4-BE49-F238E27FC236}">
-                <a16:creationId xmlns:a16="http://schemas.microsoft.com/office/drawing/2014/main" id="{84A7C8CE-E8D6-918C-49DD-62314100DFED}"/>
+                <a16:creationId xmlns:a16="http://schemas.microsoft.com/office/drawing/2014/main" id="{6D3F1BBF-A267-368C-D166-6DCB5BB20B0B}"/>
               </a:ext>
             </a:extLst>
           </p:cNvPr>
@@ -2715,7 +2715,7 @@
           <a:bodyPr/>
           <a:lstStyle/>
           <a:p>
-            <a:fld id="{02642554-BAFA-46C2-9500-A9D0FAD2C4DB}" type="slidenum">
+            <a:fld id="{42C69F64-273C-433E-803B-BA1D5FB5665D}" type="slidenum">
               <a:rPr lang="zh-CN" altLang="en-US" smtClean="0"/>
               <a:t>‹#›</a:t>
             </a:fld>
@@ -2726,7 +2726,7 @@
     </p:spTree>
     <p:extLst>
       <p:ext uri="{BB962C8B-B14F-4D97-AF65-F5344CB8AC3E}">
-        <p14:creationId xmlns:p14="http://schemas.microsoft.com/office/powerpoint/2010/main" val="1434205472"/>
+        <p14:creationId xmlns:p14="http://schemas.microsoft.com/office/powerpoint/2010/main" val="3515269931"/>
       </p:ext>
     </p:extLst>
   </p:cSld>
@@ -2763,7 +2763,7 @@
           <p:cNvPr id="2" name="标题占位符 1">
             <a:extLst>
               <a:ext uri="{FF2B5EF4-FFF2-40B4-BE49-F238E27FC236}">
-                <a16:creationId xmlns:a16="http://schemas.microsoft.com/office/drawing/2014/main" id="{B5D01739-C2F4-2EEA-C98A-D9EE7D72D0C4}"/>
+                <a16:creationId xmlns:a16="http://schemas.microsoft.com/office/drawing/2014/main" id="{75B2065F-E5C7-8132-3FFF-3BF9AA21FB94}"/>
               </a:ext>
             </a:extLst>
           </p:cNvPr>
@@ -2801,7 +2801,7 @@
           <p:cNvPr id="3" name="文本占位符 2">
             <a:extLst>
               <a:ext uri="{FF2B5EF4-FFF2-40B4-BE49-F238E27FC236}">
-                <a16:creationId xmlns:a16="http://schemas.microsoft.com/office/drawing/2014/main" id="{45EBE838-4F78-89AD-AB58-DD55138A9554}"/>
+                <a16:creationId xmlns:a16="http://schemas.microsoft.com/office/drawing/2014/main" id="{E8D4FA71-1C5D-06DF-430E-7E770B7932D6}"/>
               </a:ext>
             </a:extLst>
           </p:cNvPr>
@@ -2868,7 +2868,7 @@
           <p:cNvPr id="4" name="日期占位符 3">
             <a:extLst>
               <a:ext uri="{FF2B5EF4-FFF2-40B4-BE49-F238E27FC236}">
-                <a16:creationId xmlns:a16="http://schemas.microsoft.com/office/drawing/2014/main" id="{F846E44D-E84B-C5F7-54AD-04F25AE3F9F9}"/>
+                <a16:creationId xmlns:a16="http://schemas.microsoft.com/office/drawing/2014/main" id="{2BB83D19-45FC-598F-7767-916CA6D44D53}"/>
               </a:ext>
             </a:extLst>
           </p:cNvPr>
@@ -2902,7 +2902,7 @@
             </a:lvl1pPr>
           </a:lstStyle>
           <a:p>
-            <a:fld id="{A77B61C2-A4D8-408C-889A-9393B40AC255}" type="datetimeFigureOut">
+            <a:fld id="{98BDEC0C-F8D4-4020-9CE9-A9BC14035CF4}" type="datetimeFigureOut">
               <a:rPr lang="zh-CN" altLang="en-US" smtClean="0"/>
               <a:t>2024/3/10</a:t>
             </a:fld>
@@ -2915,7 +2915,7 @@
           <p:cNvPr id="5" name="页脚占位符 4">
             <a:extLst>
               <a:ext uri="{FF2B5EF4-FFF2-40B4-BE49-F238E27FC236}">
-                <a16:creationId xmlns:a16="http://schemas.microsoft.com/office/drawing/2014/main" id="{D62E8E25-4E16-551F-1ABC-8E59C7115953}"/>
+                <a16:creationId xmlns:a16="http://schemas.microsoft.com/office/drawing/2014/main" id="{5D309A4D-7F5D-6E95-4B0C-5DF88821E3E2}"/>
               </a:ext>
             </a:extLst>
           </p:cNvPr>
@@ -2958,7 +2958,7 @@
           <p:cNvPr id="6" name="灯片编号占位符 5">
             <a:extLst>
               <a:ext uri="{FF2B5EF4-FFF2-40B4-BE49-F238E27FC236}">
-                <a16:creationId xmlns:a16="http://schemas.microsoft.com/office/drawing/2014/main" id="{3C291732-1F3D-C03F-1C70-FC6B1C6158DB}"/>
+                <a16:creationId xmlns:a16="http://schemas.microsoft.com/office/drawing/2014/main" id="{8AF4E111-2CF2-A5E8-1219-11AB872ECE4C}"/>
               </a:ext>
             </a:extLst>
           </p:cNvPr>
@@ -2992,7 +2992,7 @@
             </a:lvl1pPr>
           </a:lstStyle>
           <a:p>
-            <a:fld id="{02642554-BAFA-46C2-9500-A9D0FAD2C4DB}" type="slidenum">
+            <a:fld id="{42C69F64-273C-433E-803B-BA1D5FB5665D}" type="slidenum">
               <a:rPr lang="zh-CN" altLang="en-US" smtClean="0"/>
               <a:t>‹#›</a:t>
             </a:fld>
@@ -3003,7 +3003,7 @@
     </p:spTree>
     <p:extLst>
       <p:ext uri="{BB962C8B-B14F-4D97-AF65-F5344CB8AC3E}">
-        <p14:creationId xmlns:p14="http://schemas.microsoft.com/office/powerpoint/2010/main" val="2390194566"/>
+        <p14:creationId xmlns:p14="http://schemas.microsoft.com/office/powerpoint/2010/main" val="206070799"/>
       </p:ext>
     </p:extLst>
   </p:cSld>
